--- a/Đồ Án Chuyên Ngành/BAOCAOTHUCTAP.pptx
+++ b/Đồ Án Chuyên Ngành/BAOCAOTHUCTAP.pptx
@@ -7,17 +7,19 @@
     <p:sldMasterId id="2147483653" r:id="rId3"/>
   </p:sldMasterIdLst>
   <p:notesMasterIdLst>
-    <p:notesMasterId r:id="rId12"/>
+    <p:notesMasterId r:id="rId14"/>
   </p:notesMasterIdLst>
   <p:sldIdLst>
     <p:sldId id="256" r:id="rId4"/>
     <p:sldId id="261" r:id="rId5"/>
-    <p:sldId id="268" r:id="rId6"/>
-    <p:sldId id="378" r:id="rId7"/>
-    <p:sldId id="300" r:id="rId8"/>
-    <p:sldId id="301" r:id="rId9"/>
-    <p:sldId id="281" r:id="rId10"/>
-    <p:sldId id="262" r:id="rId11"/>
+    <p:sldId id="379" r:id="rId6"/>
+    <p:sldId id="380" r:id="rId7"/>
+    <p:sldId id="268" r:id="rId8"/>
+    <p:sldId id="378" r:id="rId9"/>
+    <p:sldId id="300" r:id="rId10"/>
+    <p:sldId id="301" r:id="rId11"/>
+    <p:sldId id="281" r:id="rId12"/>
+    <p:sldId id="262" r:id="rId13"/>
   </p:sldIdLst>
   <p:sldSz cx="9144000" cy="5143500" type="screen16x9"/>
   <p:notesSz cx="6858000" cy="9144000"/>
@@ -797,7 +799,7 @@
           <a:p>
             <a:fld id="{FCEEE5F2-4EF8-4D84-AF6C-2CEBB6E90C8D}" type="slidenum">
               <a:rPr lang="en-US" smtClean="0"/>
-              <a:t>3</a:t>
+              <a:t>5</a:t>
             </a:fld>
             <a:endParaRPr lang="en-US"/>
           </a:p>
@@ -908,7 +910,7 @@
           <a:p>
             <a:fld id="{FCEEE5F2-4EF8-4D84-AF6C-2CEBB6E90C8D}" type="slidenum">
               <a:rPr lang="en-US" smtClean="0"/>
-              <a:t>5</a:t>
+              <a:t>7</a:t>
             </a:fld>
             <a:endParaRPr lang="en-US"/>
           </a:p>
@@ -7736,6 +7738,116 @@
 </p:sld>
 </file>
 
+<file path=ppt/slides/slide10.xml><?xml version="1.0" encoding="utf-8"?>
+<p:sld xmlns:a="http://schemas.openxmlformats.org/drawingml/2006/main" xmlns:r="http://schemas.openxmlformats.org/officeDocument/2006/relationships" xmlns:p="http://schemas.openxmlformats.org/presentationml/2006/main">
+  <p:cSld>
+    <p:spTree>
+      <p:nvGrpSpPr>
+        <p:cNvPr id="1" name=""/>
+        <p:cNvGrpSpPr/>
+        <p:nvPr/>
+      </p:nvGrpSpPr>
+      <p:grpSpPr>
+        <a:xfrm>
+          <a:off x="0" y="0"/>
+          <a:ext cx="0" cy="0"/>
+          <a:chOff x="0" y="0"/>
+          <a:chExt cx="0" cy="0"/>
+        </a:xfrm>
+      </p:grpSpPr>
+      <p:sp>
+        <p:nvSpPr>
+          <p:cNvPr id="2" name="Text Placeholder 1"/>
+          <p:cNvSpPr>
+            <a:spLocks noGrp="1"/>
+          </p:cNvSpPr>
+          <p:nvPr>
+            <p:ph type="body" sz="quarter" idx="10"/>
+          </p:nvPr>
+        </p:nvSpPr>
+        <p:spPr>
+          <a:xfrm>
+            <a:off x="0" y="3561194"/>
+            <a:ext cx="9144000" cy="576063"/>
+          </a:xfrm>
+        </p:spPr>
+        <p:txBody>
+          <a:bodyPr/>
+          <a:lstStyle/>
+          <a:p>
+            <a:r>
+              <a:rPr lang="en-US" altLang="ko-KR" sz="3600" dirty="0" err="1"/>
+              <a:t>Cảm</a:t>
+            </a:r>
+            <a:r>
+              <a:rPr lang="en-US" altLang="ko-KR" sz="3600" dirty="0"/>
+              <a:t> </a:t>
+            </a:r>
+            <a:r>
+              <a:rPr lang="en-US" altLang="ko-KR" sz="3600" dirty="0" err="1"/>
+              <a:t>ơn</a:t>
+            </a:r>
+            <a:r>
+              <a:rPr lang="en-US" altLang="ko-KR" sz="3600" dirty="0"/>
+              <a:t> </a:t>
+            </a:r>
+            <a:r>
+              <a:rPr lang="en-US" altLang="ko-KR" sz="3600" dirty="0" err="1"/>
+              <a:t>thầy</a:t>
+            </a:r>
+            <a:r>
+              <a:rPr lang="en-US" altLang="ko-KR" sz="3600" dirty="0"/>
+              <a:t> </a:t>
+            </a:r>
+            <a:r>
+              <a:rPr lang="en-US" altLang="ko-KR" sz="3600" dirty="0" err="1"/>
+              <a:t>cô</a:t>
+            </a:r>
+            <a:r>
+              <a:rPr lang="en-US" altLang="ko-KR" sz="3600" dirty="0"/>
+              <a:t> </a:t>
+            </a:r>
+            <a:r>
+              <a:rPr lang="en-US" altLang="ko-KR" sz="3600" dirty="0" err="1"/>
+              <a:t>đã</a:t>
+            </a:r>
+            <a:r>
+              <a:rPr lang="en-US" altLang="ko-KR" sz="3600" dirty="0"/>
+              <a:t> </a:t>
+            </a:r>
+            <a:r>
+              <a:rPr lang="en-US" altLang="ko-KR" sz="3600" dirty="0" err="1"/>
+              <a:t>lắng</a:t>
+            </a:r>
+            <a:r>
+              <a:rPr lang="en-US" altLang="ko-KR" sz="3600" dirty="0"/>
+              <a:t> </a:t>
+            </a:r>
+            <a:r>
+              <a:rPr lang="en-US" altLang="ko-KR" sz="3600" dirty="0" err="1"/>
+              <a:t>nghe</a:t>
+            </a:r>
+            <a:r>
+              <a:rPr lang="en-US" altLang="ko-KR" sz="3600" dirty="0"/>
+              <a:t> ^^</a:t>
+            </a:r>
+            <a:endParaRPr lang="ko-KR" altLang="en-US" sz="3600" dirty="0"/>
+          </a:p>
+        </p:txBody>
+      </p:sp>
+    </p:spTree>
+    <p:extLst>
+      <p:ext uri="{BB962C8B-B14F-4D97-AF65-F5344CB8AC3E}">
+        <p14:creationId xmlns:p14="http://schemas.microsoft.com/office/powerpoint/2010/main" val="61455909"/>
+      </p:ext>
+    </p:extLst>
+  </p:cSld>
+  <p:clrMapOvr>
+    <a:masterClrMapping/>
+  </p:clrMapOvr>
+</p:sld>
+</file>
+
 <file path=ppt/slides/slide2.xml><?xml version="1.0" encoding="utf-8"?>
 <p:sld xmlns:a="http://schemas.openxmlformats.org/drawingml/2006/main" xmlns:r="http://schemas.openxmlformats.org/officeDocument/2006/relationships" xmlns:p="http://schemas.openxmlformats.org/presentationml/2006/main">
   <p:cSld>
@@ -7816,8 +7928,8 @@
         </p:nvGrpSpPr>
         <p:grpSpPr>
           <a:xfrm>
-            <a:off x="3108820" y="1265868"/>
-            <a:ext cx="5256584" cy="720000"/>
+            <a:off x="3131840" y="1109200"/>
+            <a:ext cx="4055468" cy="729497"/>
             <a:chOff x="3108820" y="1265868"/>
             <a:chExt cx="5256584" cy="720000"/>
           </a:xfrm>
@@ -7961,8 +8073,8 @@
           </p:nvSpPr>
           <p:spPr>
             <a:xfrm>
-              <a:off x="3131840" y="1275606"/>
-              <a:ext cx="533164" cy="400110"/>
+              <a:off x="3131840" y="1275605"/>
+              <a:ext cx="696978" cy="394901"/>
             </a:xfrm>
             <a:prstGeom prst="rect">
               <a:avLst/>
@@ -8001,7 +8113,7 @@
           </p:nvSpPr>
           <p:spPr>
             <a:xfrm>
-              <a:off x="3859287" y="1481677"/>
+              <a:off x="3828819" y="1475661"/>
               <a:ext cx="4392567" cy="307777"/>
             </a:xfrm>
             <a:prstGeom prst="rect">
@@ -8025,7 +8137,19 @@
                   </a:solidFill>
                   <a:cs typeface="Arial" pitchFamily="34" charset="0"/>
                 </a:rPr>
-                <a:t>GIỚI THIỆU CÔNG TY TNHH ELSA</a:t>
+                <a:t>GIỚI THIỆU </a:t>
+              </a:r>
+              <a:r>
+                <a:rPr lang="en-US" altLang="ko-KR" sz="1400" b="1" dirty="0" smtClean="0">
+                  <a:solidFill>
+                    <a:schemeClr val="tx1">
+                      <a:lumMod val="75000"/>
+                      <a:lumOff val="25000"/>
+                    </a:schemeClr>
+                  </a:solidFill>
+                  <a:cs typeface="Arial" pitchFamily="34" charset="0"/>
+                </a:rPr>
+                <a:t>ĐỀ TÀI</a:t>
               </a:r>
               <a:endParaRPr lang="ko-KR" altLang="en-US" sz="1400" b="1" dirty="0">
                 <a:solidFill>
@@ -8054,8 +8178,8 @@
         </p:nvGrpSpPr>
         <p:grpSpPr>
           <a:xfrm>
-            <a:off x="3120330" y="2449551"/>
-            <a:ext cx="5256584" cy="720080"/>
+            <a:off x="3113072" y="2051176"/>
+            <a:ext cx="4055468" cy="808606"/>
             <a:chOff x="3120330" y="2449551"/>
             <a:chExt cx="5256584" cy="720080"/>
           </a:xfrm>
@@ -8200,7 +8324,7 @@
           <p:spPr>
             <a:xfrm>
               <a:off x="3131840" y="2449551"/>
-              <a:ext cx="533164" cy="400110"/>
+              <a:ext cx="708488" cy="443638"/>
             </a:xfrm>
             <a:prstGeom prst="rect">
               <a:avLst/>
@@ -8240,7 +8364,7 @@
           <p:spPr>
             <a:xfrm>
               <a:off x="3912339" y="2649606"/>
-              <a:ext cx="4392567" cy="307777"/>
+              <a:ext cx="4392567" cy="274082"/>
             </a:xfrm>
             <a:prstGeom prst="rect">
               <a:avLst/>
@@ -8254,7 +8378,7 @@
             <a:lstStyle/>
             <a:p>
               <a:r>
-                <a:rPr lang="en-US" altLang="ko-KR" sz="1400" b="1" dirty="0">
+                <a:rPr lang="en-US" altLang="ko-KR" sz="1400" b="1" dirty="0" smtClean="0">
                   <a:solidFill>
                     <a:schemeClr val="tx1">
                       <a:lumMod val="75000"/>
@@ -8263,7 +8387,7 @@
                   </a:solidFill>
                   <a:cs typeface="Arial" pitchFamily="34" charset="0"/>
                 </a:rPr>
-                <a:t>NỘI DUNG THỰC TẬP Ở CÔNG TY</a:t>
+                <a:t>CƠ SỞ LÝ THUYẾT</a:t>
               </a:r>
               <a:endParaRPr lang="ko-KR" altLang="en-US" sz="1400" b="1" dirty="0">
                 <a:solidFill>
@@ -8280,10 +8404,10 @@
       </p:grpSp>
       <p:grpSp>
         <p:nvGrpSpPr>
-          <p:cNvPr id="8" name="Group 7">
+          <p:cNvPr id="24" name="Group 23">
             <a:extLst>
               <a:ext uri="{FF2B5EF4-FFF2-40B4-BE49-F238E27FC236}">
-                <a16:creationId xmlns:a16="http://schemas.microsoft.com/office/drawing/2014/main" id="{C2D482E3-F24A-4047-A741-48C1FC37A6B4}"/>
+                <a16:creationId xmlns:a16="http://schemas.microsoft.com/office/drawing/2014/main" id="{C61D5054-DCB2-40C6-9FE7-9C53A080A662}"/>
               </a:ext>
             </a:extLst>
           </p:cNvPr>
@@ -8292,35 +8416,35 @@
         </p:nvGrpSpPr>
         <p:grpSpPr>
           <a:xfrm>
-            <a:off x="3108820" y="3623736"/>
-            <a:ext cx="5256584" cy="720081"/>
-            <a:chOff x="3108820" y="3623736"/>
-            <a:chExt cx="5256584" cy="720081"/>
+            <a:off x="3113072" y="3003798"/>
+            <a:ext cx="4055468" cy="808606"/>
+            <a:chOff x="3120330" y="2449551"/>
+            <a:chExt cx="5256584" cy="720080"/>
           </a:xfrm>
         </p:grpSpPr>
         <p:grpSp>
           <p:nvGrpSpPr>
-            <p:cNvPr id="20" name="Group 19"/>
+            <p:cNvPr id="25" name="Group 24"/>
             <p:cNvGrpSpPr/>
             <p:nvPr/>
           </p:nvGrpSpPr>
           <p:grpSpPr>
             <a:xfrm>
-              <a:off x="3108820" y="3623816"/>
-              <a:ext cx="5256584" cy="720001"/>
+              <a:off x="3120330" y="2449631"/>
+              <a:ext cx="5256584" cy="720000"/>
               <a:chOff x="3131840" y="1491630"/>
-              <a:chExt cx="5256584" cy="576065"/>
+              <a:chExt cx="5256584" cy="576064"/>
             </a:xfrm>
           </p:grpSpPr>
           <p:sp>
             <p:nvSpPr>
-              <p:cNvPr id="21" name="Rectangle 20"/>
+              <p:cNvPr id="32" name="Rectangle 31"/>
               <p:cNvSpPr/>
               <p:nvPr/>
             </p:nvSpPr>
             <p:spPr>
               <a:xfrm>
-                <a:off x="3131840" y="1491631"/>
+                <a:off x="3131840" y="1491630"/>
                 <a:ext cx="5256584" cy="576064"/>
               </a:xfrm>
               <a:prstGeom prst="rect">
@@ -8366,17 +8490,13 @@
               <a:lstStyle/>
               <a:p>
                 <a:pPr algn="ctr"/>
-                <a:endParaRPr lang="ko-KR" altLang="en-US" dirty="0">
-                  <a:solidFill>
-                    <a:schemeClr val="tx1"/>
-                  </a:solidFill>
-                </a:endParaRPr>
+                <a:endParaRPr lang="ko-KR" altLang="en-US"/>
               </a:p>
             </p:txBody>
           </p:sp>
           <p:sp>
             <p:nvSpPr>
-              <p:cNvPr id="22" name="Right Triangle 21"/>
+              <p:cNvPr id="33" name="Right Triangle 32"/>
               <p:cNvSpPr/>
               <p:nvPr/>
             </p:nvSpPr>
@@ -8389,7 +8509,7 @@
                 <a:avLst/>
               </a:prstGeom>
               <a:solidFill>
-                <a:schemeClr val="accent1"/>
+                <a:schemeClr val="accent3"/>
               </a:solidFill>
               <a:ln>
                 <a:noFill/>
@@ -8435,14 +8555,14 @@
         </p:grpSp>
         <p:sp>
           <p:nvSpPr>
-            <p:cNvPr id="28" name="TextBox 27"/>
+            <p:cNvPr id="29" name="TextBox 28"/>
             <p:cNvSpPr txBox="1"/>
             <p:nvPr/>
           </p:nvSpPr>
           <p:spPr>
             <a:xfrm>
-              <a:off x="3108820" y="3623736"/>
-              <a:ext cx="533164" cy="400110"/>
+              <a:off x="3131840" y="2449551"/>
+              <a:ext cx="708488" cy="356306"/>
             </a:xfrm>
             <a:prstGeom prst="rect">
               <a:avLst/>
@@ -8456,7 +8576,7 @@
             <a:lstStyle/>
             <a:p>
               <a:r>
-                <a:rPr lang="en-US" altLang="ko-KR" sz="2000" b="1" dirty="0">
+                <a:rPr lang="en-US" altLang="ko-KR" sz="2000" b="1" dirty="0" smtClean="0">
                   <a:solidFill>
                     <a:schemeClr val="bg1"/>
                   </a:solidFill>
@@ -8475,20 +8595,14 @@
         </p:sp>
         <p:sp>
           <p:nvSpPr>
-            <p:cNvPr id="23" name="TextBox 22">
-              <a:extLst>
-                <a:ext uri="{FF2B5EF4-FFF2-40B4-BE49-F238E27FC236}">
-                  <a16:creationId xmlns:a16="http://schemas.microsoft.com/office/drawing/2014/main" id="{01070F46-F399-4E02-9061-C40FF2630574}"/>
-                </a:ext>
-              </a:extLst>
-            </p:cNvPr>
+            <p:cNvPr id="31" name="TextBox 30"/>
             <p:cNvSpPr txBox="1"/>
             <p:nvPr/>
           </p:nvSpPr>
           <p:spPr>
             <a:xfrm>
-              <a:off x="3828820" y="3829886"/>
-              <a:ext cx="4392567" cy="307777"/>
+              <a:off x="3912339" y="2649606"/>
+              <a:ext cx="4392567" cy="274082"/>
             </a:xfrm>
             <a:prstGeom prst="rect">
               <a:avLst/>
@@ -8502,7 +8616,7 @@
             <a:lstStyle/>
             <a:p>
               <a:r>
-                <a:rPr lang="en-US" altLang="ko-KR" sz="1400" b="1" dirty="0">
+                <a:rPr lang="en-US" altLang="ko-KR" sz="1400" b="1" dirty="0" smtClean="0">
                   <a:solidFill>
                     <a:schemeClr val="tx1">
                       <a:lumMod val="75000"/>
@@ -8511,7 +8625,245 @@
                   </a:solidFill>
                   <a:cs typeface="Arial" pitchFamily="34" charset="0"/>
                 </a:rPr>
-                <a:t>ĐÁNH GIÁ VÀ KẾT QUẢ </a:t>
+                <a:t>TRIỂN KHAI THỰC TẾ</a:t>
+              </a:r>
+              <a:endParaRPr lang="ko-KR" altLang="en-US" sz="1400" b="1" dirty="0">
+                <a:solidFill>
+                  <a:schemeClr val="tx1">
+                    <a:lumMod val="75000"/>
+                    <a:lumOff val="25000"/>
+                  </a:schemeClr>
+                </a:solidFill>
+                <a:cs typeface="Arial" pitchFamily="34" charset="0"/>
+              </a:endParaRPr>
+            </a:p>
+          </p:txBody>
+        </p:sp>
+      </p:grpSp>
+      <p:grpSp>
+        <p:nvGrpSpPr>
+          <p:cNvPr id="47" name="Group 46">
+            <a:extLst>
+              <a:ext uri="{FF2B5EF4-FFF2-40B4-BE49-F238E27FC236}">
+                <a16:creationId xmlns:a16="http://schemas.microsoft.com/office/drawing/2014/main" id="{C61D5054-DCB2-40C6-9FE7-9C53A080A662}"/>
+              </a:ext>
+            </a:extLst>
+          </p:cNvPr>
+          <p:cNvGrpSpPr/>
+          <p:nvPr/>
+        </p:nvGrpSpPr>
+        <p:grpSpPr>
+          <a:xfrm>
+            <a:off x="3113072" y="4009612"/>
+            <a:ext cx="4055468" cy="808606"/>
+            <a:chOff x="3120330" y="2449551"/>
+            <a:chExt cx="5256584" cy="720080"/>
+          </a:xfrm>
+        </p:grpSpPr>
+        <p:grpSp>
+          <p:nvGrpSpPr>
+            <p:cNvPr id="48" name="Group 47"/>
+            <p:cNvGrpSpPr/>
+            <p:nvPr/>
+          </p:nvGrpSpPr>
+          <p:grpSpPr>
+            <a:xfrm>
+              <a:off x="3120330" y="2449631"/>
+              <a:ext cx="5256584" cy="720000"/>
+              <a:chOff x="3131840" y="1491630"/>
+              <a:chExt cx="5256584" cy="576064"/>
+            </a:xfrm>
+          </p:grpSpPr>
+          <p:sp>
+            <p:nvSpPr>
+              <p:cNvPr id="51" name="Rectangle 50"/>
+              <p:cNvSpPr/>
+              <p:nvPr/>
+            </p:nvSpPr>
+            <p:spPr>
+              <a:xfrm>
+                <a:off x="3131840" y="1491630"/>
+                <a:ext cx="5256584" cy="576064"/>
+              </a:xfrm>
+              <a:prstGeom prst="rect">
+                <a:avLst/>
+              </a:prstGeom>
+              <a:solidFill>
+                <a:schemeClr val="bg1"/>
+              </a:solidFill>
+              <a:ln>
+                <a:noFill/>
+              </a:ln>
+              <a:effectLst>
+                <a:outerShdw blurRad="63500" sx="102000" sy="102000" algn="ctr" rotWithShape="0">
+                  <a:prstClr val="black">
+                    <a:alpha val="40000"/>
+                  </a:prstClr>
+                </a:outerShdw>
+              </a:effectLst>
+            </p:spPr>
+            <p:style>
+              <a:lnRef idx="2">
+                <a:schemeClr val="accent1">
+                  <a:shade val="50000"/>
+                </a:schemeClr>
+              </a:lnRef>
+              <a:fillRef idx="1">
+                <a:schemeClr val="accent1"/>
+              </a:fillRef>
+              <a:effectRef idx="0">
+                <a:schemeClr val="accent1"/>
+              </a:effectRef>
+              <a:fontRef idx="minor">
+                <a:schemeClr val="lt1"/>
+              </a:fontRef>
+            </p:style>
+            <p:txBody>
+              <a:bodyPr rot="0" spcFirstLastPara="0" vertOverflow="overflow" horzOverflow="overflow" vert="horz" wrap="square" lIns="91440" tIns="45720" rIns="91440" bIns="45720" numCol="1" spcCol="0" rtlCol="0" fromWordArt="0" anchor="ctr" anchorCtr="0" forceAA="0" compatLnSpc="1">
+                <a:prstTxWarp prst="textNoShape">
+                  <a:avLst/>
+                </a:prstTxWarp>
+                <a:noAutofit/>
+              </a:bodyPr>
+              <a:lstStyle/>
+              <a:p>
+                <a:pPr algn="ctr"/>
+                <a:endParaRPr lang="ko-KR" altLang="en-US"/>
+              </a:p>
+            </p:txBody>
+          </p:sp>
+          <p:sp>
+            <p:nvSpPr>
+              <p:cNvPr id="52" name="Right Triangle 51"/>
+              <p:cNvSpPr/>
+              <p:nvPr/>
+            </p:nvSpPr>
+            <p:spPr>
+              <a:xfrm rot="5400000">
+                <a:off x="3203840" y="1419630"/>
+                <a:ext cx="576000" cy="720000"/>
+              </a:xfrm>
+              <a:prstGeom prst="rtTriangle">
+                <a:avLst/>
+              </a:prstGeom>
+              <a:solidFill>
+                <a:schemeClr val="accent3"/>
+              </a:solidFill>
+              <a:ln>
+                <a:noFill/>
+              </a:ln>
+              <a:effectLst>
+                <a:outerShdw blurRad="63500" sx="102000" sy="102000" algn="ctr" rotWithShape="0">
+                  <a:prstClr val="black">
+                    <a:alpha val="40000"/>
+                  </a:prstClr>
+                </a:outerShdw>
+              </a:effectLst>
+            </p:spPr>
+            <p:style>
+              <a:lnRef idx="2">
+                <a:schemeClr val="accent1">
+                  <a:shade val="50000"/>
+                </a:schemeClr>
+              </a:lnRef>
+              <a:fillRef idx="1">
+                <a:schemeClr val="accent1"/>
+              </a:fillRef>
+              <a:effectRef idx="0">
+                <a:schemeClr val="accent1"/>
+              </a:effectRef>
+              <a:fontRef idx="minor">
+                <a:schemeClr val="lt1"/>
+              </a:fontRef>
+            </p:style>
+            <p:txBody>
+              <a:bodyPr rot="0" spcFirstLastPara="0" vertOverflow="overflow" horzOverflow="overflow" vert="horz" wrap="square" lIns="91440" tIns="45720" rIns="91440" bIns="45720" numCol="1" spcCol="0" rtlCol="0" fromWordArt="0" anchor="ctr" anchorCtr="0" forceAA="0" compatLnSpc="1">
+                <a:prstTxWarp prst="textNoShape">
+                  <a:avLst/>
+                </a:prstTxWarp>
+                <a:noAutofit/>
+              </a:bodyPr>
+              <a:lstStyle/>
+              <a:p>
+                <a:pPr algn="ctr"/>
+                <a:endParaRPr lang="ko-KR" altLang="en-US"/>
+              </a:p>
+            </p:txBody>
+          </p:sp>
+        </p:grpSp>
+        <p:sp>
+          <p:nvSpPr>
+            <p:cNvPr id="49" name="TextBox 48"/>
+            <p:cNvSpPr txBox="1"/>
+            <p:nvPr/>
+          </p:nvSpPr>
+          <p:spPr>
+            <a:xfrm>
+              <a:off x="3131840" y="2449551"/>
+              <a:ext cx="708488" cy="356306"/>
+            </a:xfrm>
+            <a:prstGeom prst="rect">
+              <a:avLst/>
+            </a:prstGeom>
+            <a:noFill/>
+          </p:spPr>
+          <p:txBody>
+            <a:bodyPr wrap="square" rtlCol="0">
+              <a:spAutoFit/>
+            </a:bodyPr>
+            <a:lstStyle/>
+            <a:p>
+              <a:r>
+                <a:rPr lang="en-US" altLang="ko-KR" sz="2000" b="1" dirty="0" smtClean="0">
+                  <a:solidFill>
+                    <a:schemeClr val="bg1"/>
+                  </a:solidFill>
+                  <a:cs typeface="Arial" pitchFamily="34" charset="0"/>
+                </a:rPr>
+                <a:t>04</a:t>
+              </a:r>
+              <a:endParaRPr lang="ko-KR" altLang="en-US" sz="2000" b="1" dirty="0">
+                <a:solidFill>
+                  <a:schemeClr val="bg1"/>
+                </a:solidFill>
+                <a:cs typeface="Arial" pitchFamily="34" charset="0"/>
+              </a:endParaRPr>
+            </a:p>
+          </p:txBody>
+        </p:sp>
+        <p:sp>
+          <p:nvSpPr>
+            <p:cNvPr id="50" name="TextBox 49"/>
+            <p:cNvSpPr txBox="1"/>
+            <p:nvPr/>
+          </p:nvSpPr>
+          <p:spPr>
+            <a:xfrm>
+              <a:off x="3912339" y="2649606"/>
+              <a:ext cx="4392567" cy="274082"/>
+            </a:xfrm>
+            <a:prstGeom prst="rect">
+              <a:avLst/>
+            </a:prstGeom>
+            <a:noFill/>
+          </p:spPr>
+          <p:txBody>
+            <a:bodyPr wrap="square" rtlCol="0">
+              <a:spAutoFit/>
+            </a:bodyPr>
+            <a:lstStyle/>
+            <a:p>
+              <a:r>
+                <a:rPr lang="en-US" altLang="ko-KR" sz="1400" b="1" dirty="0" smtClean="0">
+                  <a:solidFill>
+                    <a:schemeClr val="tx1">
+                      <a:lumMod val="75000"/>
+                      <a:lumOff val="25000"/>
+                    </a:schemeClr>
+                  </a:solidFill>
+                  <a:cs typeface="Arial" pitchFamily="34" charset="0"/>
+                </a:rPr>
+                <a:t>KẾT QUẢ ĐẠT ĐƯỢC</a:t>
               </a:r>
               <a:endParaRPr lang="ko-KR" altLang="en-US" sz="1400" b="1" dirty="0">
                 <a:solidFill>
@@ -8557,7 +8909,7 @@
                             </p:stCondLst>
                             <p:childTnLst>
                               <p:par>
-                                <p:cTn id="5" presetID="10" presetClass="entr" presetSubtype="0" fill="hold" nodeType="clickEffect">
+                                <p:cTn id="5" presetID="2" presetClass="entr" presetSubtype="4" fill="hold" grpId="0" nodeType="clickEffect">
                                   <p:stCondLst>
                                     <p:cond delay="0"/>
                                   </p:stCondLst>
@@ -8565,6 +8917,79 @@
                                     <p:set>
                                       <p:cBhvr>
                                         <p:cTn id="6" dur="1" fill="hold">
+                                          <p:stCondLst>
+                                            <p:cond delay="0"/>
+                                          </p:stCondLst>
+                                        </p:cTn>
+                                        <p:tgtEl>
+                                          <p:spTgt spid="3"/>
+                                        </p:tgtEl>
+                                        <p:attrNameLst>
+                                          <p:attrName>style.visibility</p:attrName>
+                                        </p:attrNameLst>
+                                      </p:cBhvr>
+                                      <p:to>
+                                        <p:strVal val="visible"/>
+                                      </p:to>
+                                    </p:set>
+                                    <p:anim calcmode="lin" valueType="num">
+                                      <p:cBhvr additive="base">
+                                        <p:cTn id="7" dur="500" fill="hold"/>
+                                        <p:tgtEl>
+                                          <p:spTgt spid="3"/>
+                                        </p:tgtEl>
+                                        <p:attrNameLst>
+                                          <p:attrName>ppt_x</p:attrName>
+                                        </p:attrNameLst>
+                                      </p:cBhvr>
+                                      <p:tavLst>
+                                        <p:tav tm="0">
+                                          <p:val>
+                                            <p:strVal val="#ppt_x"/>
+                                          </p:val>
+                                        </p:tav>
+                                        <p:tav tm="100000">
+                                          <p:val>
+                                            <p:strVal val="#ppt_x"/>
+                                          </p:val>
+                                        </p:tav>
+                                      </p:tavLst>
+                                    </p:anim>
+                                    <p:anim calcmode="lin" valueType="num">
+                                      <p:cBhvr additive="base">
+                                        <p:cTn id="8" dur="500" fill="hold"/>
+                                        <p:tgtEl>
+                                          <p:spTgt spid="3"/>
+                                        </p:tgtEl>
+                                        <p:attrNameLst>
+                                          <p:attrName>ppt_y</p:attrName>
+                                        </p:attrNameLst>
+                                      </p:cBhvr>
+                                      <p:tavLst>
+                                        <p:tav tm="0">
+                                          <p:val>
+                                            <p:strVal val="1+#ppt_h/2"/>
+                                          </p:val>
+                                        </p:tav>
+                                        <p:tav tm="100000">
+                                          <p:val>
+                                            <p:strVal val="#ppt_y"/>
+                                          </p:val>
+                                        </p:tav>
+                                      </p:tavLst>
+                                    </p:anim>
+                                  </p:childTnLst>
+                                </p:cTn>
+                              </p:par>
+                              <p:par>
+                                <p:cTn id="9" presetID="2" presetClass="entr" presetSubtype="4" fill="hold" nodeType="withEffect">
+                                  <p:stCondLst>
+                                    <p:cond delay="0"/>
+                                  </p:stCondLst>
+                                  <p:childTnLst>
+                                    <p:set>
+                                      <p:cBhvr>
+                                        <p:cTn id="10" dur="1" fill="hold">
                                           <p:stCondLst>
                                             <p:cond delay="0"/>
                                           </p:stCondLst>
@@ -8580,44 +9005,64 @@
                                         <p:strVal val="visible"/>
                                       </p:to>
                                     </p:set>
-                                    <p:animEffect transition="in" filter="fade">
-                                      <p:cBhvr>
-                                        <p:cTn id="7" dur="500"/>
+                                    <p:anim calcmode="lin" valueType="num">
+                                      <p:cBhvr additive="base">
+                                        <p:cTn id="11" dur="500" fill="hold"/>
                                         <p:tgtEl>
                                           <p:spTgt spid="4"/>
                                         </p:tgtEl>
+                                        <p:attrNameLst>
+                                          <p:attrName>ppt_x</p:attrName>
+                                        </p:attrNameLst>
                                       </p:cBhvr>
-                                    </p:animEffect>
+                                      <p:tavLst>
+                                        <p:tav tm="0">
+                                          <p:val>
+                                            <p:strVal val="#ppt_x"/>
+                                          </p:val>
+                                        </p:tav>
+                                        <p:tav tm="100000">
+                                          <p:val>
+                                            <p:strVal val="#ppt_x"/>
+                                          </p:val>
+                                        </p:tav>
+                                      </p:tavLst>
+                                    </p:anim>
+                                    <p:anim calcmode="lin" valueType="num">
+                                      <p:cBhvr additive="base">
+                                        <p:cTn id="12" dur="500" fill="hold"/>
+                                        <p:tgtEl>
+                                          <p:spTgt spid="4"/>
+                                        </p:tgtEl>
+                                        <p:attrNameLst>
+                                          <p:attrName>ppt_y</p:attrName>
+                                        </p:attrNameLst>
+                                      </p:cBhvr>
+                                      <p:tavLst>
+                                        <p:tav tm="0">
+                                          <p:val>
+                                            <p:strVal val="1+#ppt_h/2"/>
+                                          </p:val>
+                                        </p:tav>
+                                        <p:tav tm="100000">
+                                          <p:val>
+                                            <p:strVal val="#ppt_y"/>
+                                          </p:val>
+                                        </p:tav>
+                                      </p:tavLst>
+                                    </p:anim>
                                   </p:childTnLst>
                                 </p:cTn>
                               </p:par>
-                            </p:childTnLst>
-                          </p:cTn>
-                        </p:par>
-                      </p:childTnLst>
-                    </p:cTn>
-                  </p:par>
-                  <p:par>
-                    <p:cTn id="8" fill="hold">
-                      <p:stCondLst>
-                        <p:cond delay="indefinite"/>
-                      </p:stCondLst>
-                      <p:childTnLst>
-                        <p:par>
-                          <p:cTn id="9" fill="hold">
-                            <p:stCondLst>
-                              <p:cond delay="0"/>
-                            </p:stCondLst>
-                            <p:childTnLst>
                               <p:par>
-                                <p:cTn id="10" presetID="10" presetClass="entr" presetSubtype="0" fill="hold" nodeType="clickEffect">
+                                <p:cTn id="13" presetID="2" presetClass="entr" presetSubtype="4" fill="hold" nodeType="withEffect">
                                   <p:stCondLst>
                                     <p:cond delay="0"/>
                                   </p:stCondLst>
                                   <p:childTnLst>
                                     <p:set>
                                       <p:cBhvr>
-                                        <p:cTn id="11" dur="1" fill="hold">
+                                        <p:cTn id="14" dur="1" fill="hold">
                                           <p:stCondLst>
                                             <p:cond delay="0"/>
                                           </p:stCondLst>
@@ -8633,50 +9078,70 @@
                                         <p:strVal val="visible"/>
                                       </p:to>
                                     </p:set>
-                                    <p:animEffect transition="in" filter="fade">
-                                      <p:cBhvr>
-                                        <p:cTn id="12" dur="500"/>
+                                    <p:anim calcmode="lin" valueType="num">
+                                      <p:cBhvr additive="base">
+                                        <p:cTn id="15" dur="500" fill="hold"/>
                                         <p:tgtEl>
                                           <p:spTgt spid="7"/>
                                         </p:tgtEl>
+                                        <p:attrNameLst>
+                                          <p:attrName>ppt_x</p:attrName>
+                                        </p:attrNameLst>
                                       </p:cBhvr>
-                                    </p:animEffect>
+                                      <p:tavLst>
+                                        <p:tav tm="0">
+                                          <p:val>
+                                            <p:strVal val="#ppt_x"/>
+                                          </p:val>
+                                        </p:tav>
+                                        <p:tav tm="100000">
+                                          <p:val>
+                                            <p:strVal val="#ppt_x"/>
+                                          </p:val>
+                                        </p:tav>
+                                      </p:tavLst>
+                                    </p:anim>
+                                    <p:anim calcmode="lin" valueType="num">
+                                      <p:cBhvr additive="base">
+                                        <p:cTn id="16" dur="500" fill="hold"/>
+                                        <p:tgtEl>
+                                          <p:spTgt spid="7"/>
+                                        </p:tgtEl>
+                                        <p:attrNameLst>
+                                          <p:attrName>ppt_y</p:attrName>
+                                        </p:attrNameLst>
+                                      </p:cBhvr>
+                                      <p:tavLst>
+                                        <p:tav tm="0">
+                                          <p:val>
+                                            <p:strVal val="1+#ppt_h/2"/>
+                                          </p:val>
+                                        </p:tav>
+                                        <p:tav tm="100000">
+                                          <p:val>
+                                            <p:strVal val="#ppt_y"/>
+                                          </p:val>
+                                        </p:tav>
+                                      </p:tavLst>
+                                    </p:anim>
                                   </p:childTnLst>
                                 </p:cTn>
                               </p:par>
-                            </p:childTnLst>
-                          </p:cTn>
-                        </p:par>
-                      </p:childTnLst>
-                    </p:cTn>
-                  </p:par>
-                  <p:par>
-                    <p:cTn id="13" fill="hold">
-                      <p:stCondLst>
-                        <p:cond delay="indefinite"/>
-                      </p:stCondLst>
-                      <p:childTnLst>
-                        <p:par>
-                          <p:cTn id="14" fill="hold">
-                            <p:stCondLst>
-                              <p:cond delay="0"/>
-                            </p:stCondLst>
-                            <p:childTnLst>
                               <p:par>
-                                <p:cTn id="15" presetID="10" presetClass="entr" presetSubtype="0" fill="hold" nodeType="clickEffect">
+                                <p:cTn id="17" presetID="2" presetClass="entr" presetSubtype="4" fill="hold" nodeType="withEffect">
                                   <p:stCondLst>
                                     <p:cond delay="0"/>
                                   </p:stCondLst>
                                   <p:childTnLst>
                                     <p:set>
                                       <p:cBhvr>
-                                        <p:cTn id="16" dur="1" fill="hold">
+                                        <p:cTn id="18" dur="1" fill="hold">
                                           <p:stCondLst>
                                             <p:cond delay="0"/>
                                           </p:stCondLst>
                                         </p:cTn>
                                         <p:tgtEl>
-                                          <p:spTgt spid="8"/>
+                                          <p:spTgt spid="24"/>
                                         </p:tgtEl>
                                         <p:attrNameLst>
                                           <p:attrName>style.visibility</p:attrName>
@@ -8686,14 +9151,125 @@
                                         <p:strVal val="visible"/>
                                       </p:to>
                                     </p:set>
-                                    <p:animEffect transition="in" filter="fade">
+                                    <p:anim calcmode="lin" valueType="num">
+                                      <p:cBhvr additive="base">
+                                        <p:cTn id="19" dur="500" fill="hold"/>
+                                        <p:tgtEl>
+                                          <p:spTgt spid="24"/>
+                                        </p:tgtEl>
+                                        <p:attrNameLst>
+                                          <p:attrName>ppt_x</p:attrName>
+                                        </p:attrNameLst>
+                                      </p:cBhvr>
+                                      <p:tavLst>
+                                        <p:tav tm="0">
+                                          <p:val>
+                                            <p:strVal val="#ppt_x"/>
+                                          </p:val>
+                                        </p:tav>
+                                        <p:tav tm="100000">
+                                          <p:val>
+                                            <p:strVal val="#ppt_x"/>
+                                          </p:val>
+                                        </p:tav>
+                                      </p:tavLst>
+                                    </p:anim>
+                                    <p:anim calcmode="lin" valueType="num">
+                                      <p:cBhvr additive="base">
+                                        <p:cTn id="20" dur="500" fill="hold"/>
+                                        <p:tgtEl>
+                                          <p:spTgt spid="24"/>
+                                        </p:tgtEl>
+                                        <p:attrNameLst>
+                                          <p:attrName>ppt_y</p:attrName>
+                                        </p:attrNameLst>
+                                      </p:cBhvr>
+                                      <p:tavLst>
+                                        <p:tav tm="0">
+                                          <p:val>
+                                            <p:strVal val="1+#ppt_h/2"/>
+                                          </p:val>
+                                        </p:tav>
+                                        <p:tav tm="100000">
+                                          <p:val>
+                                            <p:strVal val="#ppt_y"/>
+                                          </p:val>
+                                        </p:tav>
+                                      </p:tavLst>
+                                    </p:anim>
+                                  </p:childTnLst>
+                                </p:cTn>
+                              </p:par>
+                              <p:par>
+                                <p:cTn id="21" presetID="2" presetClass="entr" presetSubtype="4" fill="hold" nodeType="withEffect">
+                                  <p:stCondLst>
+                                    <p:cond delay="0"/>
+                                  </p:stCondLst>
+                                  <p:childTnLst>
+                                    <p:set>
                                       <p:cBhvr>
-                                        <p:cTn id="17" dur="500"/>
+                                        <p:cTn id="22" dur="1" fill="hold">
+                                          <p:stCondLst>
+                                            <p:cond delay="0"/>
+                                          </p:stCondLst>
+                                        </p:cTn>
                                         <p:tgtEl>
-                                          <p:spTgt spid="8"/>
+                                          <p:spTgt spid="47"/>
                                         </p:tgtEl>
+                                        <p:attrNameLst>
+                                          <p:attrName>style.visibility</p:attrName>
+                                        </p:attrNameLst>
                                       </p:cBhvr>
-                                    </p:animEffect>
+                                      <p:to>
+                                        <p:strVal val="visible"/>
+                                      </p:to>
+                                    </p:set>
+                                    <p:anim calcmode="lin" valueType="num">
+                                      <p:cBhvr additive="base">
+                                        <p:cTn id="23" dur="500" fill="hold"/>
+                                        <p:tgtEl>
+                                          <p:spTgt spid="47"/>
+                                        </p:tgtEl>
+                                        <p:attrNameLst>
+                                          <p:attrName>ppt_x</p:attrName>
+                                        </p:attrNameLst>
+                                      </p:cBhvr>
+                                      <p:tavLst>
+                                        <p:tav tm="0">
+                                          <p:val>
+                                            <p:strVal val="#ppt_x"/>
+                                          </p:val>
+                                        </p:tav>
+                                        <p:tav tm="100000">
+                                          <p:val>
+                                            <p:strVal val="#ppt_x"/>
+                                          </p:val>
+                                        </p:tav>
+                                      </p:tavLst>
+                                    </p:anim>
+                                    <p:anim calcmode="lin" valueType="num">
+                                      <p:cBhvr additive="base">
+                                        <p:cTn id="24" dur="500" fill="hold"/>
+                                        <p:tgtEl>
+                                          <p:spTgt spid="47"/>
+                                        </p:tgtEl>
+                                        <p:attrNameLst>
+                                          <p:attrName>ppt_y</p:attrName>
+                                        </p:attrNameLst>
+                                      </p:cBhvr>
+                                      <p:tavLst>
+                                        <p:tav tm="0">
+                                          <p:val>
+                                            <p:strVal val="1+#ppt_h/2"/>
+                                          </p:val>
+                                        </p:tav>
+                                        <p:tav tm="100000">
+                                          <p:val>
+                                            <p:strVal val="#ppt_y"/>
+                                          </p:val>
+                                        </p:tav>
+                                      </p:tavLst>
+                                    </p:anim>
                                   </p:childTnLst>
                                 </p:cTn>
                               </p:par>
@@ -8724,11 +9300,862 @@
         </p:cTn>
       </p:par>
     </p:tnLst>
+    <p:bldLst>
+      <p:bldP spid="3" grpId="0"/>
+    </p:bldLst>
   </p:timing>
 </p:sld>
 </file>
 
 <file path=ppt/slides/slide3.xml><?xml version="1.0" encoding="utf-8"?>
+<p:sld xmlns:a="http://schemas.openxmlformats.org/drawingml/2006/main" xmlns:r="http://schemas.openxmlformats.org/officeDocument/2006/relationships" xmlns:p="http://schemas.openxmlformats.org/presentationml/2006/main">
+  <p:cSld>
+    <p:spTree>
+      <p:nvGrpSpPr>
+        <p:cNvPr id="1" name=""/>
+        <p:cNvGrpSpPr/>
+        <p:nvPr/>
+      </p:nvGrpSpPr>
+      <p:grpSpPr>
+        <a:xfrm>
+          <a:off x="0" y="0"/>
+          <a:ext cx="0" cy="0"/>
+          <a:chOff x="0" y="0"/>
+          <a:chExt cx="0" cy="0"/>
+        </a:xfrm>
+      </p:grpSpPr>
+      <p:sp>
+        <p:nvSpPr>
+          <p:cNvPr id="2" name="Text Placeholder 1"/>
+          <p:cNvSpPr>
+            <a:spLocks noGrp="1"/>
+          </p:cNvSpPr>
+          <p:nvPr>
+            <p:ph type="body" sz="quarter" idx="10"/>
+          </p:nvPr>
+        </p:nvSpPr>
+        <p:spPr/>
+        <p:txBody>
+          <a:bodyPr/>
+          <a:lstStyle/>
+          <a:p>
+            <a:r>
+              <a:rPr lang="en-US" dirty="0" smtClean="0"/>
+              <a:t>GIỚI THIỆU ĐỀ TÀI</a:t>
+            </a:r>
+            <a:endParaRPr lang="en-US" dirty="0"/>
+          </a:p>
+        </p:txBody>
+      </p:sp>
+      <p:sp>
+        <p:nvSpPr>
+          <p:cNvPr id="4" name="TextBox 3">
+            <a:extLst>
+              <a:ext uri="{FF2B5EF4-FFF2-40B4-BE49-F238E27FC236}">
+                <a16:creationId xmlns:a16="http://schemas.microsoft.com/office/drawing/2014/main" id="{4EAB0030-5538-4FC1-8108-22DC9DF99BCD}"/>
+              </a:ext>
+            </a:extLst>
+          </p:cNvPr>
+          <p:cNvSpPr txBox="1"/>
+          <p:nvPr/>
+        </p:nvSpPr>
+        <p:spPr>
+          <a:xfrm>
+            <a:off x="242646" y="987574"/>
+            <a:ext cx="8901354" cy="3908762"/>
+          </a:xfrm>
+          <a:prstGeom prst="rect">
+            <a:avLst/>
+          </a:prstGeom>
+          <a:noFill/>
+        </p:spPr>
+        <p:txBody>
+          <a:bodyPr wrap="square">
+            <a:spAutoFit/>
+          </a:bodyPr>
+          <a:lstStyle/>
+          <a:p>
+            <a:r>
+              <a:rPr lang="en-US" sz="3200" dirty="0" err="1" smtClean="0"/>
+              <a:t>Đề</a:t>
+            </a:r>
+            <a:r>
+              <a:rPr lang="en-US" sz="3200" dirty="0" smtClean="0"/>
+              <a:t> </a:t>
+            </a:r>
+            <a:r>
+              <a:rPr lang="en-US" sz="3200" dirty="0" err="1" smtClean="0"/>
+              <a:t>tài</a:t>
+            </a:r>
+            <a:r>
+              <a:rPr lang="en-US" sz="3200" dirty="0" smtClean="0"/>
+              <a:t> </a:t>
+            </a:r>
+            <a:r>
+              <a:rPr lang="en-US" sz="3200" dirty="0" err="1" smtClean="0"/>
+              <a:t>tập</a:t>
+            </a:r>
+            <a:r>
+              <a:rPr lang="en-US" sz="3200" dirty="0" smtClean="0"/>
+              <a:t> </a:t>
+            </a:r>
+            <a:r>
+              <a:rPr lang="en-US" sz="3200" dirty="0" err="1" smtClean="0"/>
+              <a:t>trung</a:t>
+            </a:r>
+            <a:r>
+              <a:rPr lang="en-US" sz="3200" dirty="0" smtClean="0"/>
+              <a:t> </a:t>
+            </a:r>
+            <a:r>
+              <a:rPr lang="en-US" sz="3200" dirty="0" err="1" smtClean="0"/>
+              <a:t>phát</a:t>
+            </a:r>
+            <a:r>
+              <a:rPr lang="en-US" sz="3200" dirty="0" smtClean="0"/>
+              <a:t> </a:t>
+            </a:r>
+            <a:r>
+              <a:rPr lang="en-US" sz="3200" dirty="0" err="1" smtClean="0"/>
+              <a:t>triển</a:t>
+            </a:r>
+            <a:r>
+              <a:rPr lang="en-US" sz="3200" dirty="0" smtClean="0"/>
+              <a:t> :</a:t>
+            </a:r>
+            <a:endParaRPr lang="en-US" sz="3200" dirty="0"/>
+          </a:p>
+          <a:p>
+            <a:pPr marL="914400" lvl="1" indent="-457200">
+              <a:buFont typeface="Arial" panose="020B0604020202020204" pitchFamily="34" charset="0"/>
+              <a:buChar char="•"/>
+            </a:pPr>
+            <a:r>
+              <a:rPr lang="en-US" sz="3200" dirty="0" err="1" smtClean="0"/>
+              <a:t>Xây</a:t>
+            </a:r>
+            <a:r>
+              <a:rPr lang="en-US" sz="3200" dirty="0" smtClean="0"/>
+              <a:t> </a:t>
+            </a:r>
+            <a:r>
+              <a:rPr lang="en-US" sz="3200" dirty="0" err="1" smtClean="0"/>
+              <a:t>dựng</a:t>
+            </a:r>
+            <a:r>
+              <a:rPr lang="en-US" sz="3200" dirty="0" smtClean="0"/>
+              <a:t> </a:t>
+            </a:r>
+            <a:r>
+              <a:rPr lang="en-US" sz="3200" dirty="0" err="1" smtClean="0"/>
+              <a:t>mô</a:t>
+            </a:r>
+            <a:r>
+              <a:rPr lang="en-US" sz="3200" dirty="0" smtClean="0"/>
+              <a:t> </a:t>
+            </a:r>
+            <a:r>
+              <a:rPr lang="en-US" sz="3200" dirty="0" err="1" smtClean="0"/>
+              <a:t>hình</a:t>
+            </a:r>
+            <a:r>
+              <a:rPr lang="en-US" sz="3200" dirty="0" smtClean="0"/>
+              <a:t> </a:t>
+            </a:r>
+            <a:r>
+              <a:rPr lang="en-US" sz="3200" dirty="0" err="1" smtClean="0"/>
+              <a:t>phát</a:t>
+            </a:r>
+            <a:r>
+              <a:rPr lang="en-US" sz="3200" dirty="0" smtClean="0"/>
+              <a:t> </a:t>
+            </a:r>
+            <a:r>
+              <a:rPr lang="en-US" sz="3200" dirty="0" err="1" smtClean="0"/>
+              <a:t>hiện</a:t>
+            </a:r>
+            <a:r>
+              <a:rPr lang="en-US" sz="3200" dirty="0" smtClean="0"/>
+              <a:t> </a:t>
+            </a:r>
+            <a:r>
+              <a:rPr lang="en-US" sz="3200" dirty="0" err="1" smtClean="0"/>
+              <a:t>lửa</a:t>
+            </a:r>
+            <a:r>
+              <a:rPr lang="en-US" sz="3200" dirty="0" smtClean="0"/>
+              <a:t> </a:t>
+            </a:r>
+            <a:r>
+              <a:rPr lang="en-US" sz="3200" dirty="0" err="1" smtClean="0"/>
+              <a:t>trên</a:t>
+            </a:r>
+            <a:r>
+              <a:rPr lang="en-US" sz="3200" dirty="0" smtClean="0"/>
+              <a:t> </a:t>
+            </a:r>
+            <a:r>
+              <a:rPr lang="en-US" sz="3200" dirty="0" err="1" smtClean="0"/>
+              <a:t>thiết</a:t>
+            </a:r>
+            <a:r>
+              <a:rPr lang="en-US" sz="3200" dirty="0" smtClean="0"/>
+              <a:t> </a:t>
+            </a:r>
+            <a:r>
+              <a:rPr lang="en-US" sz="3200" dirty="0" err="1" smtClean="0"/>
+              <a:t>bị</a:t>
+            </a:r>
+            <a:r>
+              <a:rPr lang="en-US" sz="3200" dirty="0" smtClean="0"/>
+              <a:t> Jetson Nano</a:t>
+            </a:r>
+          </a:p>
+          <a:p>
+            <a:pPr marL="914400" lvl="1" indent="-457200">
+              <a:buFont typeface="Arial" panose="020B0604020202020204" pitchFamily="34" charset="0"/>
+              <a:buChar char="•"/>
+            </a:pPr>
+            <a:r>
+              <a:rPr lang="en-US" sz="3200" dirty="0" err="1" smtClean="0"/>
+              <a:t>Phát</a:t>
+            </a:r>
+            <a:r>
+              <a:rPr lang="en-US" sz="3200" dirty="0" smtClean="0"/>
+              <a:t> </a:t>
+            </a:r>
+            <a:r>
+              <a:rPr lang="en-US" sz="3200" dirty="0" err="1" smtClean="0"/>
+              <a:t>hiện</a:t>
+            </a:r>
+            <a:r>
+              <a:rPr lang="en-US" sz="3200" dirty="0" smtClean="0"/>
+              <a:t> </a:t>
+            </a:r>
+            <a:r>
+              <a:rPr lang="en-US" sz="3200" dirty="0" err="1" smtClean="0"/>
+              <a:t>vật</a:t>
+            </a:r>
+            <a:r>
+              <a:rPr lang="en-US" sz="3200" dirty="0" smtClean="0"/>
+              <a:t> </a:t>
+            </a:r>
+            <a:r>
+              <a:rPr lang="en-US" sz="3200" dirty="0" err="1" smtClean="0"/>
+              <a:t>thể</a:t>
+            </a:r>
+            <a:r>
+              <a:rPr lang="en-US" sz="3200" dirty="0" smtClean="0"/>
+              <a:t> </a:t>
+            </a:r>
+            <a:r>
+              <a:rPr lang="en-US" sz="3200" dirty="0" err="1" smtClean="0"/>
+              <a:t>trong</a:t>
+            </a:r>
+            <a:r>
+              <a:rPr lang="en-US" sz="3200" dirty="0" smtClean="0"/>
+              <a:t> </a:t>
+            </a:r>
+            <a:r>
+              <a:rPr lang="en-US" sz="3200" dirty="0" err="1" smtClean="0"/>
+              <a:t>thời</a:t>
+            </a:r>
+            <a:r>
+              <a:rPr lang="en-US" sz="3200" dirty="0" smtClean="0"/>
+              <a:t> </a:t>
+            </a:r>
+            <a:r>
+              <a:rPr lang="en-US" sz="3200" dirty="0" err="1" smtClean="0"/>
+              <a:t>gian</a:t>
+            </a:r>
+            <a:r>
+              <a:rPr lang="en-US" sz="3200" dirty="0" smtClean="0"/>
+              <a:t> </a:t>
+            </a:r>
+            <a:r>
+              <a:rPr lang="en-US" sz="3200" dirty="0" err="1" smtClean="0"/>
+              <a:t>thực</a:t>
+            </a:r>
+            <a:r>
+              <a:rPr lang="en-US" sz="3200" dirty="0" smtClean="0"/>
+              <a:t> qua Camera</a:t>
+            </a:r>
+          </a:p>
+          <a:p>
+            <a:pPr marL="914400" lvl="1" indent="-457200">
+              <a:buFont typeface="Arial" panose="020B0604020202020204" pitchFamily="34" charset="0"/>
+              <a:buChar char="•"/>
+            </a:pPr>
+            <a:r>
+              <a:rPr lang="en-US" sz="3200" dirty="0" err="1" smtClean="0"/>
+              <a:t>Đánh</a:t>
+            </a:r>
+            <a:r>
+              <a:rPr lang="en-US" sz="3200" dirty="0" smtClean="0"/>
+              <a:t> </a:t>
+            </a:r>
+            <a:r>
+              <a:rPr lang="en-US" sz="3200" dirty="0" err="1" smtClean="0"/>
+              <a:t>giá</a:t>
+            </a:r>
+            <a:r>
+              <a:rPr lang="en-US" sz="3200" dirty="0" smtClean="0"/>
+              <a:t> </a:t>
+            </a:r>
+            <a:r>
+              <a:rPr lang="en-US" sz="3200" dirty="0" err="1" smtClean="0"/>
+              <a:t>hiệu</a:t>
+            </a:r>
+            <a:r>
+              <a:rPr lang="en-US" sz="3200" dirty="0" smtClean="0"/>
+              <a:t> </a:t>
+            </a:r>
+            <a:r>
+              <a:rPr lang="en-US" sz="3200" dirty="0" err="1" smtClean="0"/>
+              <a:t>năng</a:t>
+            </a:r>
+            <a:r>
+              <a:rPr lang="en-US" sz="3200" dirty="0" smtClean="0"/>
+              <a:t> </a:t>
+            </a:r>
+            <a:r>
+              <a:rPr lang="en-US" sz="3200" dirty="0" err="1" smtClean="0"/>
+              <a:t>giữa</a:t>
+            </a:r>
+            <a:r>
+              <a:rPr lang="en-US" sz="3200" dirty="0" smtClean="0"/>
+              <a:t> </a:t>
+            </a:r>
+            <a:r>
+              <a:rPr lang="en-US" sz="3200" dirty="0" err="1" smtClean="0"/>
+              <a:t>các</a:t>
+            </a:r>
+            <a:r>
+              <a:rPr lang="en-US" sz="3200" dirty="0" smtClean="0"/>
+              <a:t> </a:t>
+            </a:r>
+            <a:r>
+              <a:rPr lang="en-US" sz="3200" dirty="0" err="1" smtClean="0"/>
+              <a:t>mô</a:t>
+            </a:r>
+            <a:r>
+              <a:rPr lang="en-US" sz="3200" dirty="0" smtClean="0"/>
+              <a:t> </a:t>
+            </a:r>
+            <a:r>
+              <a:rPr lang="en-US" sz="3200" dirty="0" err="1" smtClean="0"/>
+              <a:t>hình</a:t>
+            </a:r>
+            <a:endParaRPr lang="en-US" sz="3200" dirty="0" smtClean="0"/>
+          </a:p>
+          <a:p>
+            <a:pPr marL="457200" indent="-457200">
+              <a:buFont typeface="Arial" panose="020B0604020202020204" pitchFamily="34" charset="0"/>
+              <a:buChar char="•"/>
+            </a:pPr>
+            <a:endParaRPr lang="en-US" sz="2800" dirty="0"/>
+          </a:p>
+          <a:p>
+            <a:pPr marL="457200" indent="-457200">
+              <a:buFont typeface="Arial" panose="020B0604020202020204" pitchFamily="34" charset="0"/>
+              <a:buChar char="•"/>
+            </a:pPr>
+            <a:endParaRPr lang="en-US" sz="2800" dirty="0"/>
+          </a:p>
+        </p:txBody>
+      </p:sp>
+    </p:spTree>
+    <p:extLst>
+      <p:ext uri="{BB962C8B-B14F-4D97-AF65-F5344CB8AC3E}">
+        <p14:creationId xmlns:p14="http://schemas.microsoft.com/office/powerpoint/2010/main" val="408369519"/>
+      </p:ext>
+    </p:extLst>
+  </p:cSld>
+  <p:clrMapOvr>
+    <a:masterClrMapping/>
+  </p:clrMapOvr>
+  <p:timing>
+    <p:tnLst>
+      <p:par>
+        <p:cTn id="1" dur="indefinite" restart="never" nodeType="tmRoot">
+          <p:childTnLst>
+            <p:seq concurrent="1" nextAc="seek">
+              <p:cTn id="2" dur="indefinite" nodeType="mainSeq">
+                <p:childTnLst>
+                  <p:par>
+                    <p:cTn id="3" fill="hold">
+                      <p:stCondLst>
+                        <p:cond delay="indefinite"/>
+                      </p:stCondLst>
+                      <p:childTnLst>
+                        <p:par>
+                          <p:cTn id="4" fill="hold">
+                            <p:stCondLst>
+                              <p:cond delay="0"/>
+                            </p:stCondLst>
+                            <p:childTnLst>
+                              <p:par>
+                                <p:cTn id="5" presetID="42" presetClass="entr" presetSubtype="0" fill="hold" grpId="0" nodeType="clickEffect">
+                                  <p:stCondLst>
+                                    <p:cond delay="0"/>
+                                  </p:stCondLst>
+                                  <p:childTnLst>
+                                    <p:set>
+                                      <p:cBhvr>
+                                        <p:cTn id="6" dur="1" fill="hold">
+                                          <p:stCondLst>
+                                            <p:cond delay="0"/>
+                                          </p:stCondLst>
+                                        </p:cTn>
+                                        <p:tgtEl>
+                                          <p:spTgt spid="4"/>
+                                        </p:tgtEl>
+                                        <p:attrNameLst>
+                                          <p:attrName>style.visibility</p:attrName>
+                                        </p:attrNameLst>
+                                      </p:cBhvr>
+                                      <p:to>
+                                        <p:strVal val="visible"/>
+                                      </p:to>
+                                    </p:set>
+                                    <p:animEffect transition="in" filter="fade">
+                                      <p:cBhvr>
+                                        <p:cTn id="7" dur="1000"/>
+                                        <p:tgtEl>
+                                          <p:spTgt spid="4"/>
+                                        </p:tgtEl>
+                                      </p:cBhvr>
+                                    </p:animEffect>
+                                    <p:anim calcmode="lin" valueType="num">
+                                      <p:cBhvr>
+                                        <p:cTn id="8" dur="1000" fill="hold"/>
+                                        <p:tgtEl>
+                                          <p:spTgt spid="4"/>
+                                        </p:tgtEl>
+                                        <p:attrNameLst>
+                                          <p:attrName>ppt_x</p:attrName>
+                                        </p:attrNameLst>
+                                      </p:cBhvr>
+                                      <p:tavLst>
+                                        <p:tav tm="0">
+                                          <p:val>
+                                            <p:strVal val="#ppt_x"/>
+                                          </p:val>
+                                        </p:tav>
+                                        <p:tav tm="100000">
+                                          <p:val>
+                                            <p:strVal val="#ppt_x"/>
+                                          </p:val>
+                                        </p:tav>
+                                      </p:tavLst>
+                                    </p:anim>
+                                    <p:anim calcmode="lin" valueType="num">
+                                      <p:cBhvr>
+                                        <p:cTn id="9" dur="1000" fill="hold"/>
+                                        <p:tgtEl>
+                                          <p:spTgt spid="4"/>
+                                        </p:tgtEl>
+                                        <p:attrNameLst>
+                                          <p:attrName>ppt_y</p:attrName>
+                                        </p:attrNameLst>
+                                      </p:cBhvr>
+                                      <p:tavLst>
+                                        <p:tav tm="0">
+                                          <p:val>
+                                            <p:strVal val="#ppt_y+.1"/>
+                                          </p:val>
+                                        </p:tav>
+                                        <p:tav tm="100000">
+                                          <p:val>
+                                            <p:strVal val="#ppt_y"/>
+                                          </p:val>
+                                        </p:tav>
+                                      </p:tavLst>
+                                    </p:anim>
+                                  </p:childTnLst>
+                                </p:cTn>
+                              </p:par>
+                            </p:childTnLst>
+                          </p:cTn>
+                        </p:par>
+                      </p:childTnLst>
+                    </p:cTn>
+                  </p:par>
+                  <p:par>
+                    <p:cTn id="10" fill="hold">
+                      <p:stCondLst>
+                        <p:cond delay="indefinite"/>
+                      </p:stCondLst>
+                      <p:childTnLst>
+                        <p:par>
+                          <p:cTn id="11" fill="hold">
+                            <p:stCondLst>
+                              <p:cond delay="0"/>
+                            </p:stCondLst>
+                            <p:childTnLst>
+                              <p:par>
+                                <p:cTn id="12" presetID="2" presetClass="entr" presetSubtype="4" fill="hold" nodeType="clickEffect">
+                                  <p:stCondLst>
+                                    <p:cond delay="0"/>
+                                  </p:stCondLst>
+                                  <p:childTnLst>
+                                    <p:set>
+                                      <p:cBhvr>
+                                        <p:cTn id="13" dur="1" fill="hold">
+                                          <p:stCondLst>
+                                            <p:cond delay="0"/>
+                                          </p:stCondLst>
+                                        </p:cTn>
+                                        <p:tgtEl>
+                                          <p:spTgt spid="4">
+                                            <p:txEl>
+                                              <p:pRg st="1" end="1"/>
+                                            </p:txEl>
+                                          </p:spTgt>
+                                        </p:tgtEl>
+                                        <p:attrNameLst>
+                                          <p:attrName>style.visibility</p:attrName>
+                                        </p:attrNameLst>
+                                      </p:cBhvr>
+                                      <p:to>
+                                        <p:strVal val="visible"/>
+                                      </p:to>
+                                    </p:set>
+                                    <p:anim calcmode="lin" valueType="num">
+                                      <p:cBhvr additive="base">
+                                        <p:cTn id="14" dur="500" fill="hold"/>
+                                        <p:tgtEl>
+                                          <p:spTgt spid="4">
+                                            <p:txEl>
+                                              <p:pRg st="1" end="1"/>
+                                            </p:txEl>
+                                          </p:spTgt>
+                                        </p:tgtEl>
+                                        <p:attrNameLst>
+                                          <p:attrName>ppt_x</p:attrName>
+                                        </p:attrNameLst>
+                                      </p:cBhvr>
+                                      <p:tavLst>
+                                        <p:tav tm="0">
+                                          <p:val>
+                                            <p:strVal val="#ppt_x"/>
+                                          </p:val>
+                                        </p:tav>
+                                        <p:tav tm="100000">
+                                          <p:val>
+                                            <p:strVal val="#ppt_x"/>
+                                          </p:val>
+                                        </p:tav>
+                                      </p:tavLst>
+                                    </p:anim>
+                                    <p:anim calcmode="lin" valueType="num">
+                                      <p:cBhvr additive="base">
+                                        <p:cTn id="15" dur="500" fill="hold"/>
+                                        <p:tgtEl>
+                                          <p:spTgt spid="4">
+                                            <p:txEl>
+                                              <p:pRg st="1" end="1"/>
+                                            </p:txEl>
+                                          </p:spTgt>
+                                        </p:tgtEl>
+                                        <p:attrNameLst>
+                                          <p:attrName>ppt_y</p:attrName>
+                                        </p:attrNameLst>
+                                      </p:cBhvr>
+                                      <p:tavLst>
+                                        <p:tav tm="0">
+                                          <p:val>
+                                            <p:strVal val="1+#ppt_h/2"/>
+                                          </p:val>
+                                        </p:tav>
+                                        <p:tav tm="100000">
+                                          <p:val>
+                                            <p:strVal val="#ppt_y"/>
+                                          </p:val>
+                                        </p:tav>
+                                      </p:tavLst>
+                                    </p:anim>
+                                  </p:childTnLst>
+                                </p:cTn>
+                              </p:par>
+                            </p:childTnLst>
+                          </p:cTn>
+                        </p:par>
+                      </p:childTnLst>
+                    </p:cTn>
+                  </p:par>
+                  <p:par>
+                    <p:cTn id="16" fill="hold">
+                      <p:stCondLst>
+                        <p:cond delay="indefinite"/>
+                      </p:stCondLst>
+                      <p:childTnLst>
+                        <p:par>
+                          <p:cTn id="17" fill="hold">
+                            <p:stCondLst>
+                              <p:cond delay="0"/>
+                            </p:stCondLst>
+                            <p:childTnLst>
+                              <p:par>
+                                <p:cTn id="18" presetID="2" presetClass="entr" presetSubtype="4" fill="hold" nodeType="clickEffect">
+                                  <p:stCondLst>
+                                    <p:cond delay="0"/>
+                                  </p:stCondLst>
+                                  <p:childTnLst>
+                                    <p:set>
+                                      <p:cBhvr>
+                                        <p:cTn id="19" dur="1" fill="hold">
+                                          <p:stCondLst>
+                                            <p:cond delay="0"/>
+                                          </p:stCondLst>
+                                        </p:cTn>
+                                        <p:tgtEl>
+                                          <p:spTgt spid="4">
+                                            <p:txEl>
+                                              <p:pRg st="2" end="2"/>
+                                            </p:txEl>
+                                          </p:spTgt>
+                                        </p:tgtEl>
+                                        <p:attrNameLst>
+                                          <p:attrName>style.visibility</p:attrName>
+                                        </p:attrNameLst>
+                                      </p:cBhvr>
+                                      <p:to>
+                                        <p:strVal val="visible"/>
+                                      </p:to>
+                                    </p:set>
+                                    <p:anim calcmode="lin" valueType="num">
+                                      <p:cBhvr additive="base">
+                                        <p:cTn id="20" dur="500" fill="hold"/>
+                                        <p:tgtEl>
+                                          <p:spTgt spid="4">
+                                            <p:txEl>
+                                              <p:pRg st="2" end="2"/>
+                                            </p:txEl>
+                                          </p:spTgt>
+                                        </p:tgtEl>
+                                        <p:attrNameLst>
+                                          <p:attrName>ppt_x</p:attrName>
+                                        </p:attrNameLst>
+                                      </p:cBhvr>
+                                      <p:tavLst>
+                                        <p:tav tm="0">
+                                          <p:val>
+                                            <p:strVal val="#ppt_x"/>
+                                          </p:val>
+                                        </p:tav>
+                                        <p:tav tm="100000">
+                                          <p:val>
+                                            <p:strVal val="#ppt_x"/>
+                                          </p:val>
+                                        </p:tav>
+                                      </p:tavLst>
+                                    </p:anim>
+                                    <p:anim calcmode="lin" valueType="num">
+                                      <p:cBhvr additive="base">
+                                        <p:cTn id="21" dur="500" fill="hold"/>
+                                        <p:tgtEl>
+                                          <p:spTgt spid="4">
+                                            <p:txEl>
+                                              <p:pRg st="2" end="2"/>
+                                            </p:txEl>
+                                          </p:spTgt>
+                                        </p:tgtEl>
+                                        <p:attrNameLst>
+                                          <p:attrName>ppt_y</p:attrName>
+                                        </p:attrNameLst>
+                                      </p:cBhvr>
+                                      <p:tavLst>
+                                        <p:tav tm="0">
+                                          <p:val>
+                                            <p:strVal val="1+#ppt_h/2"/>
+                                          </p:val>
+                                        </p:tav>
+                                        <p:tav tm="100000">
+                                          <p:val>
+                                            <p:strVal val="#ppt_y"/>
+                                          </p:val>
+                                        </p:tav>
+                                      </p:tavLst>
+                                    </p:anim>
+                                  </p:childTnLst>
+                                </p:cTn>
+                              </p:par>
+                            </p:childTnLst>
+                          </p:cTn>
+                        </p:par>
+                      </p:childTnLst>
+                    </p:cTn>
+                  </p:par>
+                  <p:par>
+                    <p:cTn id="22" fill="hold">
+                      <p:stCondLst>
+                        <p:cond delay="indefinite"/>
+                      </p:stCondLst>
+                      <p:childTnLst>
+                        <p:par>
+                          <p:cTn id="23" fill="hold">
+                            <p:stCondLst>
+                              <p:cond delay="0"/>
+                            </p:stCondLst>
+                            <p:childTnLst>
+                              <p:par>
+                                <p:cTn id="24" presetID="2" presetClass="entr" presetSubtype="4" fill="hold" nodeType="clickEffect">
+                                  <p:stCondLst>
+                                    <p:cond delay="0"/>
+                                  </p:stCondLst>
+                                  <p:childTnLst>
+                                    <p:set>
+                                      <p:cBhvr>
+                                        <p:cTn id="25" dur="1" fill="hold">
+                                          <p:stCondLst>
+                                            <p:cond delay="0"/>
+                                          </p:stCondLst>
+                                        </p:cTn>
+                                        <p:tgtEl>
+                                          <p:spTgt spid="4">
+                                            <p:txEl>
+                                              <p:pRg st="3" end="3"/>
+                                            </p:txEl>
+                                          </p:spTgt>
+                                        </p:tgtEl>
+                                        <p:attrNameLst>
+                                          <p:attrName>style.visibility</p:attrName>
+                                        </p:attrNameLst>
+                                      </p:cBhvr>
+                                      <p:to>
+                                        <p:strVal val="visible"/>
+                                      </p:to>
+                                    </p:set>
+                                    <p:anim calcmode="lin" valueType="num">
+                                      <p:cBhvr additive="base">
+                                        <p:cTn id="26" dur="500" fill="hold"/>
+                                        <p:tgtEl>
+                                          <p:spTgt spid="4">
+                                            <p:txEl>
+                                              <p:pRg st="3" end="3"/>
+                                            </p:txEl>
+                                          </p:spTgt>
+                                        </p:tgtEl>
+                                        <p:attrNameLst>
+                                          <p:attrName>ppt_x</p:attrName>
+                                        </p:attrNameLst>
+                                      </p:cBhvr>
+                                      <p:tavLst>
+                                        <p:tav tm="0">
+                                          <p:val>
+                                            <p:strVal val="#ppt_x"/>
+                                          </p:val>
+                                        </p:tav>
+                                        <p:tav tm="100000">
+                                          <p:val>
+                                            <p:strVal val="#ppt_x"/>
+                                          </p:val>
+                                        </p:tav>
+                                      </p:tavLst>
+                                    </p:anim>
+                                    <p:anim calcmode="lin" valueType="num">
+                                      <p:cBhvr additive="base">
+                                        <p:cTn id="27" dur="500" fill="hold"/>
+                                        <p:tgtEl>
+                                          <p:spTgt spid="4">
+                                            <p:txEl>
+                                              <p:pRg st="3" end="3"/>
+                                            </p:txEl>
+                                          </p:spTgt>
+                                        </p:tgtEl>
+                                        <p:attrNameLst>
+                                          <p:attrName>ppt_y</p:attrName>
+                                        </p:attrNameLst>
+                                      </p:cBhvr>
+                                      <p:tavLst>
+                                        <p:tav tm="0">
+                                          <p:val>
+                                            <p:strVal val="1+#ppt_h/2"/>
+                                          </p:val>
+                                        </p:tav>
+                                        <p:tav tm="100000">
+                                          <p:val>
+                                            <p:strVal val="#ppt_y"/>
+                                          </p:val>
+                                        </p:tav>
+                                      </p:tavLst>
+                                    </p:anim>
+                                  </p:childTnLst>
+                                </p:cTn>
+                              </p:par>
+                            </p:childTnLst>
+                          </p:cTn>
+                        </p:par>
+                      </p:childTnLst>
+                    </p:cTn>
+                  </p:par>
+                </p:childTnLst>
+              </p:cTn>
+              <p:prevCondLst>
+                <p:cond evt="onPrev" delay="0">
+                  <p:tgtEl>
+                    <p:sldTgt/>
+                  </p:tgtEl>
+                </p:cond>
+              </p:prevCondLst>
+              <p:nextCondLst>
+                <p:cond evt="onNext" delay="0">
+                  <p:tgtEl>
+                    <p:sldTgt/>
+                  </p:tgtEl>
+                </p:cond>
+              </p:nextCondLst>
+            </p:seq>
+          </p:childTnLst>
+        </p:cTn>
+      </p:par>
+    </p:tnLst>
+    <p:bldLst>
+      <p:bldP spid="4" grpId="0"/>
+    </p:bldLst>
+  </p:timing>
+</p:sld>
+</file>
+
+<file path=ppt/slides/slide4.xml><?xml version="1.0" encoding="utf-8"?>
+<p:sld xmlns:a="http://schemas.openxmlformats.org/drawingml/2006/main" xmlns:r="http://schemas.openxmlformats.org/officeDocument/2006/relationships" xmlns:p="http://schemas.openxmlformats.org/presentationml/2006/main">
+  <p:cSld>
+    <p:spTree>
+      <p:nvGrpSpPr>
+        <p:cNvPr id="1" name=""/>
+        <p:cNvGrpSpPr/>
+        <p:nvPr/>
+      </p:nvGrpSpPr>
+      <p:grpSpPr>
+        <a:xfrm>
+          <a:off x="0" y="0"/>
+          <a:ext cx="0" cy="0"/>
+          <a:chOff x="0" y="0"/>
+          <a:chExt cx="0" cy="0"/>
+        </a:xfrm>
+      </p:grpSpPr>
+    </p:spTree>
+    <p:extLst>
+      <p:ext uri="{BB962C8B-B14F-4D97-AF65-F5344CB8AC3E}">
+        <p14:creationId xmlns:p14="http://schemas.microsoft.com/office/powerpoint/2010/main" val="3239668136"/>
+      </p:ext>
+    </p:extLst>
+  </p:cSld>
+  <p:clrMapOvr>
+    <a:masterClrMapping/>
+  </p:clrMapOvr>
+  <p:timing>
+    <p:tnLst>
+      <p:par>
+        <p:cTn id="1" dur="indefinite" restart="never" nodeType="tmRoot"/>
+      </p:par>
+    </p:tnLst>
+  </p:timing>
+</p:sld>
+</file>
+
+<file path=ppt/slides/slide5.xml><?xml version="1.0" encoding="utf-8"?>
 <p:sld xmlns:a="http://schemas.openxmlformats.org/drawingml/2006/main" xmlns:r="http://schemas.openxmlformats.org/officeDocument/2006/relationships" xmlns:p="http://schemas.openxmlformats.org/presentationml/2006/main">
   <p:cSld>
     <p:spTree>
@@ -9740,7 +11167,7 @@
 </p:sld>
 </file>
 
-<file path=ppt/slides/slide4.xml><?xml version="1.0" encoding="utf-8"?>
+<file path=ppt/slides/slide6.xml><?xml version="1.0" encoding="utf-8"?>
 <p:sld xmlns:a="http://schemas.openxmlformats.org/drawingml/2006/main" xmlns:r="http://schemas.openxmlformats.org/officeDocument/2006/relationships" xmlns:p="http://schemas.openxmlformats.org/presentationml/2006/main">
   <p:cSld>
     <p:spTree>
@@ -11344,10 +12771,17 @@
   <p:clrMapOvr>
     <a:masterClrMapping/>
   </p:clrMapOvr>
+  <p:timing>
+    <p:tnLst>
+      <p:par>
+        <p:cTn id="1" dur="indefinite" restart="never" nodeType="tmRoot"/>
+      </p:par>
+    </p:tnLst>
+  </p:timing>
 </p:sld>
 </file>
 
-<file path=ppt/slides/slide5.xml><?xml version="1.0" encoding="utf-8"?>
+<file path=ppt/slides/slide7.xml><?xml version="1.0" encoding="utf-8"?>
 <p:sld xmlns:a="http://schemas.openxmlformats.org/drawingml/2006/main" xmlns:r="http://schemas.openxmlformats.org/officeDocument/2006/relationships" xmlns:p="http://schemas.openxmlformats.org/presentationml/2006/main">
   <p:cSld>
     <p:spTree>
@@ -11640,7 +13074,7 @@
 </p:sld>
 </file>
 
-<file path=ppt/slides/slide6.xml><?xml version="1.0" encoding="utf-8"?>
+<file path=ppt/slides/slide8.xml><?xml version="1.0" encoding="utf-8"?>
 <p:sld xmlns:a="http://schemas.openxmlformats.org/drawingml/2006/main" xmlns:r="http://schemas.openxmlformats.org/officeDocument/2006/relationships" xmlns:p="http://schemas.openxmlformats.org/presentationml/2006/main">
   <p:cSld>
     <p:spTree>
@@ -12097,7 +13531,7 @@
 </p:sld>
 </file>
 
-<file path=ppt/slides/slide7.xml><?xml version="1.0" encoding="utf-8"?>
+<file path=ppt/slides/slide9.xml><?xml version="1.0" encoding="utf-8"?>
 <p:sld xmlns:a="http://schemas.openxmlformats.org/drawingml/2006/main" xmlns:r="http://schemas.openxmlformats.org/officeDocument/2006/relationships" xmlns:p="http://schemas.openxmlformats.org/presentationml/2006/main">
   <p:cSld>
     <p:spTree>
@@ -13283,116 +14717,6 @@
     <p:extLst>
       <p:ext uri="{BB962C8B-B14F-4D97-AF65-F5344CB8AC3E}">
         <p14:creationId xmlns:p14="http://schemas.microsoft.com/office/powerpoint/2010/main" val="1736538919"/>
-      </p:ext>
-    </p:extLst>
-  </p:cSld>
-  <p:clrMapOvr>
-    <a:masterClrMapping/>
-  </p:clrMapOvr>
-</p:sld>
-</file>
-
-<file path=ppt/slides/slide8.xml><?xml version="1.0" encoding="utf-8"?>
-<p:sld xmlns:a="http://schemas.openxmlformats.org/drawingml/2006/main" xmlns:r="http://schemas.openxmlformats.org/officeDocument/2006/relationships" xmlns:p="http://schemas.openxmlformats.org/presentationml/2006/main">
-  <p:cSld>
-    <p:spTree>
-      <p:nvGrpSpPr>
-        <p:cNvPr id="1" name=""/>
-        <p:cNvGrpSpPr/>
-        <p:nvPr/>
-      </p:nvGrpSpPr>
-      <p:grpSpPr>
-        <a:xfrm>
-          <a:off x="0" y="0"/>
-          <a:ext cx="0" cy="0"/>
-          <a:chOff x="0" y="0"/>
-          <a:chExt cx="0" cy="0"/>
-        </a:xfrm>
-      </p:grpSpPr>
-      <p:sp>
-        <p:nvSpPr>
-          <p:cNvPr id="2" name="Text Placeholder 1"/>
-          <p:cNvSpPr>
-            <a:spLocks noGrp="1"/>
-          </p:cNvSpPr>
-          <p:nvPr>
-            <p:ph type="body" sz="quarter" idx="10"/>
-          </p:nvPr>
-        </p:nvSpPr>
-        <p:spPr>
-          <a:xfrm>
-            <a:off x="0" y="3561194"/>
-            <a:ext cx="9144000" cy="576063"/>
-          </a:xfrm>
-        </p:spPr>
-        <p:txBody>
-          <a:bodyPr/>
-          <a:lstStyle/>
-          <a:p>
-            <a:r>
-              <a:rPr lang="en-US" altLang="ko-KR" sz="3600" dirty="0" err="1"/>
-              <a:t>Cảm</a:t>
-            </a:r>
-            <a:r>
-              <a:rPr lang="en-US" altLang="ko-KR" sz="3600" dirty="0"/>
-              <a:t> </a:t>
-            </a:r>
-            <a:r>
-              <a:rPr lang="en-US" altLang="ko-KR" sz="3600" dirty="0" err="1"/>
-              <a:t>ơn</a:t>
-            </a:r>
-            <a:r>
-              <a:rPr lang="en-US" altLang="ko-KR" sz="3600" dirty="0"/>
-              <a:t> </a:t>
-            </a:r>
-            <a:r>
-              <a:rPr lang="en-US" altLang="ko-KR" sz="3600" dirty="0" err="1"/>
-              <a:t>thầy</a:t>
-            </a:r>
-            <a:r>
-              <a:rPr lang="en-US" altLang="ko-KR" sz="3600" dirty="0"/>
-              <a:t> </a:t>
-            </a:r>
-            <a:r>
-              <a:rPr lang="en-US" altLang="ko-KR" sz="3600" dirty="0" err="1"/>
-              <a:t>cô</a:t>
-            </a:r>
-            <a:r>
-              <a:rPr lang="en-US" altLang="ko-KR" sz="3600" dirty="0"/>
-              <a:t> </a:t>
-            </a:r>
-            <a:r>
-              <a:rPr lang="en-US" altLang="ko-KR" sz="3600" dirty="0" err="1"/>
-              <a:t>đã</a:t>
-            </a:r>
-            <a:r>
-              <a:rPr lang="en-US" altLang="ko-KR" sz="3600" dirty="0"/>
-              <a:t> </a:t>
-            </a:r>
-            <a:r>
-              <a:rPr lang="en-US" altLang="ko-KR" sz="3600" dirty="0" err="1"/>
-              <a:t>lắng</a:t>
-            </a:r>
-            <a:r>
-              <a:rPr lang="en-US" altLang="ko-KR" sz="3600" dirty="0"/>
-              <a:t> </a:t>
-            </a:r>
-            <a:r>
-              <a:rPr lang="en-US" altLang="ko-KR" sz="3600" dirty="0" err="1"/>
-              <a:t>nghe</a:t>
-            </a:r>
-            <a:r>
-              <a:rPr lang="en-US" altLang="ko-KR" sz="3600" dirty="0"/>
-              <a:t> ^^</a:t>
-            </a:r>
-            <a:endParaRPr lang="ko-KR" altLang="en-US" sz="3600" dirty="0"/>
-          </a:p>
-        </p:txBody>
-      </p:sp>
-    </p:spTree>
-    <p:extLst>
-      <p:ext uri="{BB962C8B-B14F-4D97-AF65-F5344CB8AC3E}">
-        <p14:creationId xmlns:p14="http://schemas.microsoft.com/office/powerpoint/2010/main" val="61455909"/>
       </p:ext>
     </p:extLst>
   </p:cSld>
